--- a/Documents/Курсовая работа.pptx
+++ b/Documents/Курсовая работа.pptx
@@ -5,7 +5,7 @@
     <p:sldMasterId id="2147483756" r:id="rId1"/>
   </p:sldMasterIdLst>
   <p:notesMasterIdLst>
-    <p:notesMasterId r:id="rId25"/>
+    <p:notesMasterId r:id="rId26"/>
   </p:notesMasterIdLst>
   <p:sldIdLst>
     <p:sldId id="256" r:id="rId2"/>
@@ -23,14 +23,15 @@
     <p:sldId id="268" r:id="rId14"/>
     <p:sldId id="272" r:id="rId15"/>
     <p:sldId id="280" r:id="rId16"/>
-    <p:sldId id="273" r:id="rId17"/>
-    <p:sldId id="274" r:id="rId18"/>
-    <p:sldId id="275" r:id="rId19"/>
-    <p:sldId id="276" r:id="rId20"/>
-    <p:sldId id="277" r:id="rId21"/>
-    <p:sldId id="278" r:id="rId22"/>
-    <p:sldId id="279" r:id="rId23"/>
-    <p:sldId id="266" r:id="rId24"/>
+    <p:sldId id="281" r:id="rId17"/>
+    <p:sldId id="273" r:id="rId18"/>
+    <p:sldId id="274" r:id="rId19"/>
+    <p:sldId id="275" r:id="rId20"/>
+    <p:sldId id="276" r:id="rId21"/>
+    <p:sldId id="277" r:id="rId22"/>
+    <p:sldId id="278" r:id="rId23"/>
+    <p:sldId id="279" r:id="rId24"/>
+    <p:sldId id="266" r:id="rId25"/>
   </p:sldIdLst>
   <p:sldSz cx="9144000" cy="6858000" type="screen4x3"/>
   <p:notesSz cx="6858000" cy="9144000"/>
@@ -6620,6 +6621,544 @@
         </p:nvSpPr>
         <p:spPr>
           <a:xfrm>
+            <a:off x="457200" y="0"/>
+            <a:ext cx="8229600" cy="1124744"/>
+          </a:xfrm>
+        </p:spPr>
+        <p:txBody>
+          <a:bodyPr/>
+          <a:lstStyle/>
+          <a:p>
+            <a:r>
+              <a:rPr lang="ru-RU" dirty="0" smtClean="0"/>
+              <a:t>Схема базы данных</a:t>
+            </a:r>
+            <a:endParaRPr lang="ru-RU" dirty="0"/>
+          </a:p>
+        </p:txBody>
+      </p:sp>
+      <p:sp>
+        <p:nvSpPr>
+          <p:cNvPr id="4" name="Номер слайда 3"/>
+          <p:cNvSpPr>
+            <a:spLocks noGrp="1"/>
+          </p:cNvSpPr>
+          <p:nvPr>
+            <p:ph type="sldNum" sz="quarter" idx="12"/>
+          </p:nvPr>
+        </p:nvSpPr>
+        <p:spPr/>
+        <p:txBody>
+          <a:bodyPr/>
+          <a:lstStyle/>
+          <a:p>
+            <a:fld id="{B19B0651-EE4F-4900-A07F-96A6BFA9D0F0}" type="slidenum">
+              <a:rPr lang="ru-RU" smtClean="0"/>
+              <a:t>16</a:t>
+            </a:fld>
+            <a:endParaRPr lang="ru-RU"/>
+          </a:p>
+        </p:txBody>
+      </p:sp>
+      <p:pic>
+        <p:nvPicPr>
+          <p:cNvPr id="1026" name="Picture 2"/>
+          <p:cNvPicPr>
+            <a:picLocks noGrp="1" noChangeAspect="1" noChangeArrowheads="1"/>
+          </p:cNvPicPr>
+          <p:nvPr>
+            <p:ph idx="1"/>
+          </p:nvPr>
+        </p:nvPicPr>
+        <p:blipFill>
+          <a:blip r:embed="rId2">
+            <a:extLst>
+              <a:ext uri="{28A0092B-C50C-407E-A947-70E740481C1C}">
+                <a14:useLocalDpi xmlns:a14="http://schemas.microsoft.com/office/drawing/2010/main" val="0"/>
+              </a:ext>
+            </a:extLst>
+          </a:blip>
+          <a:srcRect/>
+          <a:stretch>
+            <a:fillRect/>
+          </a:stretch>
+        </p:blipFill>
+        <p:spPr bwMode="auto">
+          <a:xfrm>
+            <a:off x="1403648" y="1124744"/>
+            <a:ext cx="6171429" cy="2133333"/>
+          </a:xfrm>
+          <a:prstGeom prst="rect">
+            <a:avLst/>
+          </a:prstGeom>
+          <a:noFill/>
+          <a:ln>
+            <a:noFill/>
+          </a:ln>
+          <a:effectLst/>
+          <a:extLst>
+            <a:ext uri="{909E8E84-426E-40DD-AFC4-6F175D3DCCD1}">
+              <a14:hiddenFill xmlns:a14="http://schemas.microsoft.com/office/drawing/2010/main">
+                <a:solidFill>
+                  <a:schemeClr val="accent1"/>
+                </a:solidFill>
+              </a14:hiddenFill>
+            </a:ext>
+            <a:ext uri="{91240B29-F687-4F45-9708-019B960494DF}">
+              <a14:hiddenLine xmlns:a14="http://schemas.microsoft.com/office/drawing/2010/main" w="9525">
+                <a:solidFill>
+                  <a:schemeClr val="tx1"/>
+                </a:solidFill>
+                <a:miter lim="800000"/>
+                <a:headEnd/>
+                <a:tailEnd/>
+              </a14:hiddenLine>
+            </a:ext>
+            <a:ext uri="{AF507438-7753-43E0-B8FC-AC1667EBCBE1}">
+              <a14:hiddenEffects xmlns:a14="http://schemas.microsoft.com/office/drawing/2010/main">
+                <a:effectLst>
+                  <a:outerShdw dist="35921" dir="2700000" algn="ctr" rotWithShape="0">
+                    <a:schemeClr val="bg2"/>
+                  </a:outerShdw>
+                </a:effectLst>
+              </a14:hiddenEffects>
+            </a:ext>
+          </a:extLst>
+        </p:spPr>
+      </p:pic>
+      <p:sp>
+        <p:nvSpPr>
+          <p:cNvPr id="5" name="Прямоугольник 4"/>
+          <p:cNvSpPr/>
+          <p:nvPr/>
+        </p:nvSpPr>
+        <p:spPr>
+          <a:xfrm>
+            <a:off x="251520" y="3356992"/>
+            <a:ext cx="7992888" cy="738664"/>
+          </a:xfrm>
+          <a:prstGeom prst="rect">
+            <a:avLst/>
+          </a:prstGeom>
+        </p:spPr>
+        <p:txBody>
+          <a:bodyPr wrap="square">
+            <a:spAutoFit/>
+          </a:bodyPr>
+          <a:lstStyle/>
+          <a:p>
+            <a:pPr lvl="0"/>
+            <a:r>
+              <a:rPr lang="en-US" sz="1400" dirty="0"/>
+              <a:t>id</a:t>
+            </a:r>
+            <a:r>
+              <a:rPr lang="ru-RU" sz="1400" dirty="0"/>
+              <a:t>_</a:t>
+            </a:r>
+            <a:r>
+              <a:rPr lang="en-US" sz="1400" dirty="0"/>
+              <a:t>photo</a:t>
+            </a:r>
+            <a:r>
+              <a:rPr lang="ru-RU" sz="1400" dirty="0"/>
+              <a:t> (</a:t>
+            </a:r>
+            <a:r>
+              <a:rPr lang="en-US" sz="1400" dirty="0"/>
+              <a:t>INT</a:t>
+            </a:r>
+            <a:r>
+              <a:rPr lang="ru-RU" sz="1400" dirty="0"/>
+              <a:t>) – первичный ключ</a:t>
+            </a:r>
+          </a:p>
+          <a:p>
+            <a:pPr lvl="0"/>
+            <a:r>
+              <a:rPr lang="en-US" sz="1400" dirty="0"/>
+              <a:t>photo</a:t>
+            </a:r>
+            <a:r>
+              <a:rPr lang="ru-RU" sz="1400" dirty="0"/>
+              <a:t>(</a:t>
+            </a:r>
+            <a:r>
+              <a:rPr lang="en-US" sz="1400" dirty="0"/>
+              <a:t>TEXT</a:t>
+            </a:r>
+            <a:r>
+              <a:rPr lang="ru-RU" sz="1400" dirty="0"/>
+              <a:t>) – путь к фотографии в файловой системе</a:t>
+            </a:r>
+          </a:p>
+          <a:p>
+            <a:pPr lvl="0"/>
+            <a:r>
+              <a:rPr lang="en-US" sz="1400" dirty="0"/>
+              <a:t>date</a:t>
+            </a:r>
+            <a:r>
+              <a:rPr lang="ru-RU" sz="1400" dirty="0"/>
+              <a:t>_</a:t>
+            </a:r>
+            <a:r>
+              <a:rPr lang="en-US" sz="1400" dirty="0"/>
+              <a:t>time </a:t>
+            </a:r>
+            <a:r>
+              <a:rPr lang="ru-RU" sz="1400" dirty="0"/>
+              <a:t>(</a:t>
+            </a:r>
+            <a:r>
+              <a:rPr lang="en-US" sz="1400" dirty="0"/>
+              <a:t>TIMESTAMP</a:t>
+            </a:r>
+            <a:r>
+              <a:rPr lang="ru-RU" sz="1400" dirty="0"/>
+              <a:t>) – время создания фотографии</a:t>
+            </a:r>
+          </a:p>
+        </p:txBody>
+      </p:sp>
+      <p:sp>
+        <p:nvSpPr>
+          <p:cNvPr id="6" name="Прямоугольник 5"/>
+          <p:cNvSpPr/>
+          <p:nvPr/>
+        </p:nvSpPr>
+        <p:spPr>
+          <a:xfrm>
+            <a:off x="4067944" y="4143293"/>
+            <a:ext cx="7326560" cy="738664"/>
+          </a:xfrm>
+          <a:prstGeom prst="rect">
+            <a:avLst/>
+          </a:prstGeom>
+        </p:spPr>
+        <p:txBody>
+          <a:bodyPr wrap="square">
+            <a:spAutoFit/>
+          </a:bodyPr>
+          <a:lstStyle/>
+          <a:p>
+            <a:pPr lvl="0"/>
+            <a:r>
+              <a:rPr lang="en-US" sz="1400" dirty="0"/>
+              <a:t>id</a:t>
+            </a:r>
+            <a:r>
+              <a:rPr lang="ru-RU" sz="1400" dirty="0"/>
+              <a:t>_</a:t>
+            </a:r>
+            <a:r>
+              <a:rPr lang="en-US" sz="1400" dirty="0"/>
+              <a:t>object </a:t>
+            </a:r>
+            <a:r>
+              <a:rPr lang="ru-RU" sz="1400" dirty="0"/>
+              <a:t>(</a:t>
+            </a:r>
+            <a:r>
+              <a:rPr lang="en-US" sz="1400" dirty="0"/>
+              <a:t>INT</a:t>
+            </a:r>
+            <a:r>
+              <a:rPr lang="ru-RU" sz="1400" dirty="0"/>
+              <a:t>)  – первичный ключ для объекта</a:t>
+            </a:r>
+          </a:p>
+          <a:p>
+            <a:pPr lvl="0"/>
+            <a:r>
+              <a:rPr lang="en-US" sz="1400" dirty="0"/>
+              <a:t>description (TEXT) – </a:t>
+            </a:r>
+            <a:r>
+              <a:rPr lang="ru-RU" sz="1400" dirty="0"/>
+              <a:t>пользовательское описание объекта</a:t>
+            </a:r>
+          </a:p>
+          <a:p>
+            <a:pPr lvl="0"/>
+            <a:r>
+              <a:rPr lang="en-US" sz="1400" dirty="0"/>
+              <a:t>average</a:t>
+            </a:r>
+            <a:r>
+              <a:rPr lang="ru-RU" sz="1400" dirty="0"/>
+              <a:t>_</a:t>
+            </a:r>
+            <a:r>
+              <a:rPr lang="en-US" sz="1400" dirty="0"/>
+              <a:t>speed</a:t>
+            </a:r>
+            <a:r>
+              <a:rPr lang="ru-RU" sz="1400" dirty="0"/>
+              <a:t> (FLOAT) – средняя скорость </a:t>
+            </a:r>
+            <a:r>
+              <a:rPr lang="ru-RU" sz="1400" dirty="0" smtClean="0"/>
+              <a:t>объекта</a:t>
+            </a:r>
+            <a:endParaRPr lang="ru-RU" sz="1400" dirty="0"/>
+          </a:p>
+        </p:txBody>
+      </p:sp>
+      <p:sp>
+        <p:nvSpPr>
+          <p:cNvPr id="7" name="Прямоугольник 6"/>
+          <p:cNvSpPr/>
+          <p:nvPr/>
+        </p:nvSpPr>
+        <p:spPr>
+          <a:xfrm>
+            <a:off x="2077517" y="4883156"/>
+            <a:ext cx="8064896" cy="1384995"/>
+          </a:xfrm>
+          <a:prstGeom prst="rect">
+            <a:avLst/>
+          </a:prstGeom>
+        </p:spPr>
+        <p:txBody>
+          <a:bodyPr wrap="square">
+            <a:spAutoFit/>
+          </a:bodyPr>
+          <a:lstStyle/>
+          <a:p>
+            <a:pPr lvl="0"/>
+            <a:r>
+              <a:rPr lang="en-US" sz="1400" dirty="0" smtClean="0"/>
+              <a:t>speed</a:t>
+            </a:r>
+            <a:r>
+              <a:rPr lang="ru-RU" sz="1400" dirty="0" smtClean="0"/>
+              <a:t> </a:t>
+            </a:r>
+            <a:r>
+              <a:rPr lang="ru-RU" sz="1400" dirty="0"/>
+              <a:t>(</a:t>
+            </a:r>
+            <a:r>
+              <a:rPr lang="en-US" sz="1400" dirty="0"/>
+              <a:t>FLOAT</a:t>
+            </a:r>
+            <a:r>
+              <a:rPr lang="ru-RU" sz="1400" dirty="0"/>
+              <a:t>) – скорость </a:t>
+            </a:r>
+            <a:r>
+              <a:rPr lang="ru-RU" sz="1400" dirty="0" smtClean="0"/>
+              <a:t>объекта</a:t>
+            </a:r>
+            <a:endParaRPr lang="ru-RU" sz="1400" dirty="0"/>
+          </a:p>
+          <a:p>
+            <a:pPr lvl="0"/>
+            <a:r>
+              <a:rPr lang="en-US" sz="1400" dirty="0" err="1"/>
+              <a:t>gps</a:t>
+            </a:r>
+            <a:r>
+              <a:rPr lang="ru-RU" sz="1400" dirty="0"/>
+              <a:t>_</a:t>
+            </a:r>
+            <a:r>
+              <a:rPr lang="en-US" sz="1400" dirty="0" err="1"/>
+              <a:t>lat</a:t>
+            </a:r>
+            <a:r>
+              <a:rPr lang="ru-RU" sz="1400" dirty="0"/>
+              <a:t> (</a:t>
+            </a:r>
+            <a:r>
+              <a:rPr lang="en-US" sz="1400" dirty="0"/>
+              <a:t>DECIMAL</a:t>
+            </a:r>
+            <a:r>
+              <a:rPr lang="ru-RU" sz="1400" dirty="0"/>
+              <a:t>) – широта </a:t>
+            </a:r>
+            <a:r>
+              <a:rPr lang="ru-RU" sz="1400" dirty="0" smtClean="0"/>
+              <a:t>объекта</a:t>
+            </a:r>
+            <a:endParaRPr lang="ru-RU" sz="1400" dirty="0"/>
+          </a:p>
+          <a:p>
+            <a:pPr lvl="0"/>
+            <a:r>
+              <a:rPr lang="en-US" sz="1400" dirty="0" err="1"/>
+              <a:t>gps</a:t>
+            </a:r>
+            <a:r>
+              <a:rPr lang="ru-RU" sz="1400" dirty="0"/>
+              <a:t>_</a:t>
+            </a:r>
+            <a:r>
+              <a:rPr lang="en-US" sz="1400" dirty="0"/>
+              <a:t>lot</a:t>
+            </a:r>
+            <a:r>
+              <a:rPr lang="ru-RU" sz="1400" dirty="0"/>
+              <a:t> (</a:t>
+            </a:r>
+            <a:r>
+              <a:rPr lang="en-US" sz="1400" dirty="0"/>
+              <a:t>DECIMAL</a:t>
+            </a:r>
+            <a:r>
+              <a:rPr lang="ru-RU" sz="1400" dirty="0"/>
+              <a:t>) – долгота </a:t>
+            </a:r>
+            <a:r>
+              <a:rPr lang="ru-RU" sz="1400" dirty="0" smtClean="0"/>
+              <a:t>объекта</a:t>
+            </a:r>
+            <a:endParaRPr lang="ru-RU" sz="1400" dirty="0"/>
+          </a:p>
+          <a:p>
+            <a:pPr lvl="0"/>
+            <a:r>
+              <a:rPr lang="en-US" sz="1400" dirty="0"/>
+              <a:t>distance</a:t>
+            </a:r>
+            <a:r>
+              <a:rPr lang="ru-RU" sz="1400" dirty="0"/>
+              <a:t> (</a:t>
+            </a:r>
+            <a:r>
+              <a:rPr lang="en-US" sz="1400" dirty="0"/>
+              <a:t>FLOAT</a:t>
+            </a:r>
+            <a:r>
+              <a:rPr lang="ru-RU" sz="1400" dirty="0"/>
+              <a:t>) – расстояние до объекта</a:t>
+            </a:r>
+          </a:p>
+          <a:p>
+            <a:pPr lvl="0"/>
+            <a:r>
+              <a:rPr lang="en-US" sz="1400" dirty="0"/>
+              <a:t>path</a:t>
+            </a:r>
+            <a:r>
+              <a:rPr lang="ru-RU" sz="1400" dirty="0"/>
+              <a:t>_</a:t>
+            </a:r>
+            <a:r>
+              <a:rPr lang="en-US" sz="1400" dirty="0"/>
+              <a:t>x</a:t>
+            </a:r>
+            <a:r>
+              <a:rPr lang="ru-RU" sz="1400" dirty="0"/>
+              <a:t> (</a:t>
+            </a:r>
+            <a:r>
+              <a:rPr lang="en-US" sz="1400" dirty="0"/>
+              <a:t>DECIMAL</a:t>
+            </a:r>
+            <a:r>
+              <a:rPr lang="ru-RU" sz="1400" dirty="0"/>
+              <a:t>) – </a:t>
+            </a:r>
+            <a:r>
+              <a:rPr lang="en-US" sz="1400" dirty="0"/>
+              <a:t>x</a:t>
+            </a:r>
+            <a:r>
+              <a:rPr lang="ru-RU" sz="1400" dirty="0"/>
+              <a:t>-координата </a:t>
+            </a:r>
+            <a:r>
+              <a:rPr lang="ru-RU" sz="1400" dirty="0" smtClean="0"/>
+              <a:t>объекта </a:t>
+            </a:r>
+          </a:p>
+          <a:p>
+            <a:pPr lvl="0"/>
+            <a:r>
+              <a:rPr lang="en-US" sz="1400" dirty="0" smtClean="0"/>
+              <a:t>path</a:t>
+            </a:r>
+            <a:r>
+              <a:rPr lang="ru-RU" sz="1400" dirty="0"/>
+              <a:t>_</a:t>
+            </a:r>
+            <a:r>
+              <a:rPr lang="en-US" sz="1400" dirty="0"/>
+              <a:t>y</a:t>
+            </a:r>
+            <a:r>
+              <a:rPr lang="ru-RU" sz="1400" dirty="0"/>
+              <a:t> (</a:t>
+            </a:r>
+            <a:r>
+              <a:rPr lang="en-US" sz="1400" dirty="0"/>
+              <a:t>DECIMAL</a:t>
+            </a:r>
+            <a:r>
+              <a:rPr lang="ru-RU" sz="1400" dirty="0"/>
+              <a:t>) – </a:t>
+            </a:r>
+            <a:r>
+              <a:rPr lang="en-US" sz="1400" dirty="0"/>
+              <a:t>y</a:t>
+            </a:r>
+            <a:r>
+              <a:rPr lang="ru-RU" sz="1400" dirty="0"/>
+              <a:t>-координата </a:t>
+            </a:r>
+            <a:r>
+              <a:rPr lang="ru-RU" sz="1400" dirty="0" smtClean="0"/>
+              <a:t>объекта</a:t>
+            </a:r>
+            <a:endParaRPr lang="ru-RU" sz="1400" dirty="0"/>
+          </a:p>
+        </p:txBody>
+      </p:sp>
+    </p:spTree>
+    <p:extLst>
+      <p:ext uri="{BB962C8B-B14F-4D97-AF65-F5344CB8AC3E}">
+        <p14:creationId xmlns:p14="http://schemas.microsoft.com/office/powerpoint/2010/main" val="1262482052"/>
+      </p:ext>
+    </p:extLst>
+  </p:cSld>
+  <p:clrMapOvr>
+    <a:masterClrMapping/>
+  </p:clrMapOvr>
+</p:sld>
+</file>
+
+<file path=ppt/slides/slide17.xml><?xml version="1.0" encoding="utf-8"?>
+<p:sld xmlns:a="http://schemas.openxmlformats.org/drawingml/2006/main" xmlns:r="http://schemas.openxmlformats.org/officeDocument/2006/relationships" xmlns:p="http://schemas.openxmlformats.org/presentationml/2006/main">
+  <p:cSld>
+    <p:spTree>
+      <p:nvGrpSpPr>
+        <p:cNvPr id="1" name=""/>
+        <p:cNvGrpSpPr/>
+        <p:nvPr/>
+      </p:nvGrpSpPr>
+      <p:grpSpPr>
+        <a:xfrm>
+          <a:off x="0" y="0"/>
+          <a:ext cx="0" cy="0"/>
+          <a:chOff x="0" y="0"/>
+          <a:chExt cx="0" cy="0"/>
+        </a:xfrm>
+      </p:grpSpPr>
+      <p:sp>
+        <p:nvSpPr>
+          <p:cNvPr id="2" name="Заголовок 1"/>
+          <p:cNvSpPr>
+            <a:spLocks noGrp="1"/>
+          </p:cNvSpPr>
+          <p:nvPr>
+            <p:ph type="title"/>
+          </p:nvPr>
+        </p:nvSpPr>
+        <p:spPr>
+          <a:xfrm>
             <a:off x="0" y="0"/>
             <a:ext cx="8686800" cy="836712"/>
           </a:xfrm>
@@ -6658,7 +7197,7 @@
                 <a:latin typeface="Times New Roman" pitchFamily="18" charset="0"/>
                 <a:cs typeface="Times New Roman" pitchFamily="18" charset="0"/>
               </a:rPr>
-              <a:t>16</a:t>
+              <a:t>17</a:t>
             </a:fld>
             <a:endParaRPr lang="ru-RU" sz="2000" dirty="0">
               <a:latin typeface="Times New Roman" pitchFamily="18" charset="0"/>
@@ -6744,7 +7283,7 @@
 </p:sld>
 </file>
 
-<file path=ppt/slides/slide17.xml><?xml version="1.0" encoding="utf-8"?>
+<file path=ppt/slides/slide18.xml><?xml version="1.0" encoding="utf-8"?>
 <p:sld xmlns:a="http://schemas.openxmlformats.org/drawingml/2006/main" xmlns:r="http://schemas.openxmlformats.org/officeDocument/2006/relationships" xmlns:p="http://schemas.openxmlformats.org/presentationml/2006/main">
   <p:cSld>
     <p:spTree>
@@ -6813,7 +7352,7 @@
                 <a:latin typeface="Times New Roman" pitchFamily="18" charset="0"/>
                 <a:cs typeface="Times New Roman" pitchFamily="18" charset="0"/>
               </a:rPr>
-              <a:t>17</a:t>
+              <a:t>18</a:t>
             </a:fld>
             <a:endParaRPr lang="ru-RU" sz="2000">
               <a:latin typeface="Times New Roman" pitchFamily="18" charset="0"/>
@@ -6899,7 +7438,7 @@
 </p:sld>
 </file>
 
-<file path=ppt/slides/slide18.xml><?xml version="1.0" encoding="utf-8"?>
+<file path=ppt/slides/slide19.xml><?xml version="1.0" encoding="utf-8"?>
 <p:sld xmlns:a="http://schemas.openxmlformats.org/drawingml/2006/main" xmlns:r="http://schemas.openxmlformats.org/officeDocument/2006/relationships" xmlns:p="http://schemas.openxmlformats.org/presentationml/2006/main">
   <p:cSld>
     <p:spTree>
@@ -6963,7 +7502,7 @@
                 <a:latin typeface="Times New Roman" pitchFamily="18" charset="0"/>
                 <a:cs typeface="Times New Roman" pitchFamily="18" charset="0"/>
               </a:rPr>
-              <a:t>18</a:t>
+              <a:t>19</a:t>
             </a:fld>
             <a:endParaRPr lang="ru-RU" sz="2000">
               <a:latin typeface="Times New Roman" pitchFamily="18" charset="0"/>
@@ -7049,7 +7588,7 @@
 </p:sld>
 </file>
 
-<file path=ppt/slides/slide19.xml><?xml version="1.0" encoding="utf-8"?>
+<file path=ppt/slides/slide2.xml><?xml version="1.0" encoding="utf-8"?>
 <p:sld xmlns:a="http://schemas.openxmlformats.org/drawingml/2006/main" xmlns:r="http://schemas.openxmlformats.org/officeDocument/2006/relationships" xmlns:p="http://schemas.openxmlformats.org/presentationml/2006/main">
   <p:cSld>
     <p:spTree>
@@ -7083,9 +7622,40 @@
           <a:p>
             <a:r>
               <a:rPr lang="ru-RU" dirty="0" smtClean="0"/>
-              <a:t>Диаграмма взаимодействия</a:t>
+              <a:t>Цель курсовой работы</a:t>
             </a:r>
             <a:endParaRPr lang="ru-RU" dirty="0"/>
+          </a:p>
+        </p:txBody>
+      </p:sp>
+      <p:sp>
+        <p:nvSpPr>
+          <p:cNvPr id="3" name="Объект 2"/>
+          <p:cNvSpPr>
+            <a:spLocks noGrp="1"/>
+          </p:cNvSpPr>
+          <p:nvPr>
+            <p:ph idx="1"/>
+          </p:nvPr>
+        </p:nvSpPr>
+        <p:spPr/>
+        <p:txBody>
+          <a:bodyPr/>
+          <a:lstStyle/>
+          <a:p>
+            <a:r>
+              <a:rPr lang="ru-RU" dirty="0" smtClean="0">
+                <a:solidFill>
+                  <a:schemeClr val="tx1"/>
+                </a:solidFill>
+              </a:rPr>
+              <a:t>Найти и разработать алгоритмы, позволяющие обнаруживать на панорамных снимках территорий и акваторий движущиеся объекты, а так же вычисляющие координаты найденных объектов и расстояние от наблюдательного пункта.</a:t>
+            </a:r>
+            <a:endParaRPr lang="ru-RU" dirty="0">
+              <a:solidFill>
+                <a:schemeClr val="tx1"/>
+              </a:solidFill>
+            </a:endParaRPr>
           </a:p>
         </p:txBody>
       </p:sp>
@@ -7109,7 +7679,96 @@
                 <a:latin typeface="Times New Roman" pitchFamily="18" charset="0"/>
                 <a:cs typeface="Times New Roman" pitchFamily="18" charset="0"/>
               </a:rPr>
-              <a:t>19</a:t>
+              <a:t>2</a:t>
+            </a:fld>
+            <a:endParaRPr lang="ru-RU" sz="2000" dirty="0">
+              <a:latin typeface="Times New Roman" pitchFamily="18" charset="0"/>
+              <a:cs typeface="Times New Roman" pitchFamily="18" charset="0"/>
+            </a:endParaRPr>
+          </a:p>
+        </p:txBody>
+      </p:sp>
+    </p:spTree>
+    <p:extLst>
+      <p:ext uri="{BB962C8B-B14F-4D97-AF65-F5344CB8AC3E}">
+        <p14:creationId xmlns:p14="http://schemas.microsoft.com/office/powerpoint/2010/main" val="790920923"/>
+      </p:ext>
+    </p:extLst>
+  </p:cSld>
+  <p:clrMapOvr>
+    <a:masterClrMapping/>
+  </p:clrMapOvr>
+  <p:timing>
+    <p:tnLst>
+      <p:par>
+        <p:cTn id="1" dur="indefinite" restart="never" nodeType="tmRoot"/>
+      </p:par>
+    </p:tnLst>
+  </p:timing>
+</p:sld>
+</file>
+
+<file path=ppt/slides/slide20.xml><?xml version="1.0" encoding="utf-8"?>
+<p:sld xmlns:a="http://schemas.openxmlformats.org/drawingml/2006/main" xmlns:r="http://schemas.openxmlformats.org/officeDocument/2006/relationships" xmlns:p="http://schemas.openxmlformats.org/presentationml/2006/main">
+  <p:cSld>
+    <p:spTree>
+      <p:nvGrpSpPr>
+        <p:cNvPr id="1" name=""/>
+        <p:cNvGrpSpPr/>
+        <p:nvPr/>
+      </p:nvGrpSpPr>
+      <p:grpSpPr>
+        <a:xfrm>
+          <a:off x="0" y="0"/>
+          <a:ext cx="0" cy="0"/>
+          <a:chOff x="0" y="0"/>
+          <a:chExt cx="0" cy="0"/>
+        </a:xfrm>
+      </p:grpSpPr>
+      <p:sp>
+        <p:nvSpPr>
+          <p:cNvPr id="2" name="Заголовок 1"/>
+          <p:cNvSpPr>
+            <a:spLocks noGrp="1"/>
+          </p:cNvSpPr>
+          <p:nvPr>
+            <p:ph type="title"/>
+          </p:nvPr>
+        </p:nvSpPr>
+        <p:spPr/>
+        <p:txBody>
+          <a:bodyPr/>
+          <a:lstStyle/>
+          <a:p>
+            <a:r>
+              <a:rPr lang="ru-RU" dirty="0" smtClean="0"/>
+              <a:t>Диаграмма взаимодействия</a:t>
+            </a:r>
+            <a:endParaRPr lang="ru-RU" dirty="0"/>
+          </a:p>
+        </p:txBody>
+      </p:sp>
+      <p:sp>
+        <p:nvSpPr>
+          <p:cNvPr id="4" name="Номер слайда 3"/>
+          <p:cNvSpPr>
+            <a:spLocks noGrp="1"/>
+          </p:cNvSpPr>
+          <p:nvPr>
+            <p:ph type="sldNum" sz="quarter" idx="12"/>
+          </p:nvPr>
+        </p:nvSpPr>
+        <p:spPr/>
+        <p:txBody>
+          <a:bodyPr/>
+          <a:lstStyle/>
+          <a:p>
+            <a:fld id="{B19B0651-EE4F-4900-A07F-96A6BFA9D0F0}" type="slidenum">
+              <a:rPr lang="ru-RU" sz="2000" smtClean="0">
+                <a:latin typeface="Times New Roman" pitchFamily="18" charset="0"/>
+                <a:cs typeface="Times New Roman" pitchFamily="18" charset="0"/>
+              </a:rPr>
+              <a:t>20</a:t>
             </a:fld>
             <a:endParaRPr lang="ru-RU" sz="2000">
               <a:latin typeface="Times New Roman" pitchFamily="18" charset="0"/>
@@ -7195,7 +7854,7 @@
 </p:sld>
 </file>
 
-<file path=ppt/slides/slide2.xml><?xml version="1.0" encoding="utf-8"?>
+<file path=ppt/slides/slide21.xml><?xml version="1.0" encoding="utf-8"?>
 <p:sld xmlns:a="http://schemas.openxmlformats.org/drawingml/2006/main" xmlns:r="http://schemas.openxmlformats.org/officeDocument/2006/relationships" xmlns:p="http://schemas.openxmlformats.org/presentationml/2006/main">
   <p:cSld>
     <p:spTree>
@@ -7229,40 +7888,9 @@
           <a:p>
             <a:r>
               <a:rPr lang="ru-RU" dirty="0" smtClean="0"/>
-              <a:t>Цель курсовой работы</a:t>
+              <a:t>Диаграмма взаимодействия</a:t>
             </a:r>
             <a:endParaRPr lang="ru-RU" dirty="0"/>
-          </a:p>
-        </p:txBody>
-      </p:sp>
-      <p:sp>
-        <p:nvSpPr>
-          <p:cNvPr id="3" name="Объект 2"/>
-          <p:cNvSpPr>
-            <a:spLocks noGrp="1"/>
-          </p:cNvSpPr>
-          <p:nvPr>
-            <p:ph idx="1"/>
-          </p:nvPr>
-        </p:nvSpPr>
-        <p:spPr/>
-        <p:txBody>
-          <a:bodyPr/>
-          <a:lstStyle/>
-          <a:p>
-            <a:r>
-              <a:rPr lang="ru-RU" dirty="0" smtClean="0">
-                <a:solidFill>
-                  <a:schemeClr val="tx1"/>
-                </a:solidFill>
-              </a:rPr>
-              <a:t>Найти и разработать алгоритмы, позволяющие обнаруживать на панорамных снимках территорий и акваторий движущиеся объекты, а так же вычисляющие координаты найденных объектов и расстояние от наблюдательного пункта.</a:t>
-            </a:r>
-            <a:endParaRPr lang="ru-RU" dirty="0">
-              <a:solidFill>
-                <a:schemeClr val="tx1"/>
-              </a:solidFill>
-            </a:endParaRPr>
           </a:p>
         </p:txBody>
       </p:sp>
@@ -7286,96 +7914,7 @@
                 <a:latin typeface="Times New Roman" pitchFamily="18" charset="0"/>
                 <a:cs typeface="Times New Roman" pitchFamily="18" charset="0"/>
               </a:rPr>
-              <a:t>2</a:t>
-            </a:fld>
-            <a:endParaRPr lang="ru-RU" sz="2000" dirty="0">
-              <a:latin typeface="Times New Roman" pitchFamily="18" charset="0"/>
-              <a:cs typeface="Times New Roman" pitchFamily="18" charset="0"/>
-            </a:endParaRPr>
-          </a:p>
-        </p:txBody>
-      </p:sp>
-    </p:spTree>
-    <p:extLst>
-      <p:ext uri="{BB962C8B-B14F-4D97-AF65-F5344CB8AC3E}">
-        <p14:creationId xmlns:p14="http://schemas.microsoft.com/office/powerpoint/2010/main" val="790920923"/>
-      </p:ext>
-    </p:extLst>
-  </p:cSld>
-  <p:clrMapOvr>
-    <a:masterClrMapping/>
-  </p:clrMapOvr>
-  <p:timing>
-    <p:tnLst>
-      <p:par>
-        <p:cTn id="1" dur="indefinite" restart="never" nodeType="tmRoot"/>
-      </p:par>
-    </p:tnLst>
-  </p:timing>
-</p:sld>
-</file>
-
-<file path=ppt/slides/slide20.xml><?xml version="1.0" encoding="utf-8"?>
-<p:sld xmlns:a="http://schemas.openxmlformats.org/drawingml/2006/main" xmlns:r="http://schemas.openxmlformats.org/officeDocument/2006/relationships" xmlns:p="http://schemas.openxmlformats.org/presentationml/2006/main">
-  <p:cSld>
-    <p:spTree>
-      <p:nvGrpSpPr>
-        <p:cNvPr id="1" name=""/>
-        <p:cNvGrpSpPr/>
-        <p:nvPr/>
-      </p:nvGrpSpPr>
-      <p:grpSpPr>
-        <a:xfrm>
-          <a:off x="0" y="0"/>
-          <a:ext cx="0" cy="0"/>
-          <a:chOff x="0" y="0"/>
-          <a:chExt cx="0" cy="0"/>
-        </a:xfrm>
-      </p:grpSpPr>
-      <p:sp>
-        <p:nvSpPr>
-          <p:cNvPr id="2" name="Заголовок 1"/>
-          <p:cNvSpPr>
-            <a:spLocks noGrp="1"/>
-          </p:cNvSpPr>
-          <p:nvPr>
-            <p:ph type="title"/>
-          </p:nvPr>
-        </p:nvSpPr>
-        <p:spPr/>
-        <p:txBody>
-          <a:bodyPr/>
-          <a:lstStyle/>
-          <a:p>
-            <a:r>
-              <a:rPr lang="ru-RU" dirty="0" smtClean="0"/>
-              <a:t>Диаграмма взаимодействия</a:t>
-            </a:r>
-            <a:endParaRPr lang="ru-RU" dirty="0"/>
-          </a:p>
-        </p:txBody>
-      </p:sp>
-      <p:sp>
-        <p:nvSpPr>
-          <p:cNvPr id="4" name="Номер слайда 3"/>
-          <p:cNvSpPr>
-            <a:spLocks noGrp="1"/>
-          </p:cNvSpPr>
-          <p:nvPr>
-            <p:ph type="sldNum" sz="quarter" idx="12"/>
-          </p:nvPr>
-        </p:nvSpPr>
-        <p:spPr/>
-        <p:txBody>
-          <a:bodyPr/>
-          <a:lstStyle/>
-          <a:p>
-            <a:fld id="{B19B0651-EE4F-4900-A07F-96A6BFA9D0F0}" type="slidenum">
-              <a:rPr lang="ru-RU" sz="2000" smtClean="0">
-                <a:latin typeface="Times New Roman" pitchFamily="18" charset="0"/>
-                <a:cs typeface="Times New Roman" pitchFamily="18" charset="0"/>
-              </a:rPr>
-              <a:t>20</a:t>
+              <a:t>21</a:t>
             </a:fld>
             <a:endParaRPr lang="ru-RU" sz="2000">
               <a:latin typeface="Times New Roman" pitchFamily="18" charset="0"/>
@@ -7525,7 +8064,7 @@
 </p:sld>
 </file>
 
-<file path=ppt/slides/slide21.xml><?xml version="1.0" encoding="utf-8"?>
+<file path=ppt/slides/slide22.xml><?xml version="1.0" encoding="utf-8"?>
 <p:sld xmlns:a="http://schemas.openxmlformats.org/drawingml/2006/main" xmlns:r="http://schemas.openxmlformats.org/officeDocument/2006/relationships" xmlns:p="http://schemas.openxmlformats.org/presentationml/2006/main">
   <p:cSld>
     <p:spTree>
@@ -7585,7 +8124,7 @@
                 <a:latin typeface="Times New Roman" pitchFamily="18" charset="0"/>
                 <a:cs typeface="Times New Roman" pitchFamily="18" charset="0"/>
               </a:rPr>
-              <a:t>21</a:t>
+              <a:t>22</a:t>
             </a:fld>
             <a:endParaRPr lang="ru-RU" sz="2000">
               <a:latin typeface="Times New Roman" pitchFamily="18" charset="0"/>
@@ -7671,7 +8210,7 @@
 </p:sld>
 </file>
 
-<file path=ppt/slides/slide22.xml><?xml version="1.0" encoding="utf-8"?>
+<file path=ppt/slides/slide23.xml><?xml version="1.0" encoding="utf-8"?>
 <p:sld xmlns:a="http://schemas.openxmlformats.org/drawingml/2006/main" xmlns:r="http://schemas.openxmlformats.org/officeDocument/2006/relationships" xmlns:p="http://schemas.openxmlformats.org/presentationml/2006/main">
   <p:cSld>
     <p:spTree>
@@ -7731,7 +8270,7 @@
                 <a:latin typeface="Times New Roman" pitchFamily="18" charset="0"/>
                 <a:cs typeface="Times New Roman" pitchFamily="18" charset="0"/>
               </a:rPr>
-              <a:t>22</a:t>
+              <a:t>23</a:t>
             </a:fld>
             <a:endParaRPr lang="ru-RU" sz="2000">
               <a:latin typeface="Times New Roman" pitchFamily="18" charset="0"/>
@@ -7817,7 +8356,7 @@
 </p:sld>
 </file>
 
-<file path=ppt/slides/slide23.xml><?xml version="1.0" encoding="utf-8"?>
+<file path=ppt/slides/slide24.xml><?xml version="1.0" encoding="utf-8"?>
 <p:sld xmlns:a="http://schemas.openxmlformats.org/drawingml/2006/main" xmlns:r="http://schemas.openxmlformats.org/officeDocument/2006/relationships" xmlns:p="http://schemas.openxmlformats.org/presentationml/2006/main">
   <p:cSld>
     <p:spTree>
@@ -7980,7 +8519,7 @@
                 <a:latin typeface="Times New Roman" pitchFamily="18" charset="0"/>
                 <a:cs typeface="Times New Roman" pitchFamily="18" charset="0"/>
               </a:rPr>
-              <a:t>23</a:t>
+              <a:t>24</a:t>
             </a:fld>
             <a:endParaRPr lang="ru-RU" sz="2000">
               <a:latin typeface="Times New Roman" pitchFamily="18" charset="0"/>
@@ -8193,11 +8732,7 @@
           <a:p>
             <a:r>
               <a:rPr lang="ru-RU" dirty="0" smtClean="0"/>
-              <a:t>Алгоритмы </a:t>
-            </a:r>
-            <a:r>
-              <a:rPr lang="ru-RU" dirty="0" smtClean="0"/>
-              <a:t>выделения скелета</a:t>
+              <a:t>Алгоритмы выделения скелета</a:t>
             </a:r>
             <a:endParaRPr lang="ru-RU" dirty="0"/>
           </a:p>
@@ -8407,7 +8942,7 @@
         </p:nvGraphicFramePr>
         <p:xfrm>
           <a:off x="1115617" y="2492896"/>
-          <a:ext cx="5976666" cy="2954589"/>
+          <a:ext cx="5976666" cy="3283200"/>
         </p:xfrm>
         <a:graphic>
           <a:graphicData uri="http://schemas.openxmlformats.org/drawingml/2006/table">

--- a/Documents/Курсовая работа.pptx
+++ b/Documents/Курсовая работа.pptx
@@ -3815,7 +3815,7 @@
         </p:nvSpPr>
         <p:spPr>
           <a:xfrm>
-            <a:off x="1043608" y="1124744"/>
+            <a:off x="1115616" y="2132856"/>
             <a:ext cx="7341440" cy="905272"/>
           </a:xfrm>
         </p:spPr>
@@ -4073,50 +4073,6 @@
             <a:endParaRPr lang="ru-RU" sz="2000" dirty="0">
               <a:latin typeface="Times New Roman" pitchFamily="18" charset="0"/>
               <a:cs typeface="Times New Roman" pitchFamily="18" charset="0"/>
-            </a:endParaRPr>
-          </a:p>
-        </p:txBody>
-      </p:sp>
-      <p:sp>
-        <p:nvSpPr>
-          <p:cNvPr id="4" name="TextBox 3"/>
-          <p:cNvSpPr txBox="1"/>
-          <p:nvPr/>
-        </p:nvSpPr>
-        <p:spPr>
-          <a:xfrm>
-            <a:off x="1115616" y="2276872"/>
-            <a:ext cx="7128792" cy="1077218"/>
-          </a:xfrm>
-          <a:prstGeom prst="rect">
-            <a:avLst/>
-          </a:prstGeom>
-          <a:noFill/>
-        </p:spPr>
-        <p:txBody>
-          <a:bodyPr wrap="square" rtlCol="0">
-            <a:spAutoFit/>
-          </a:bodyPr>
-          <a:lstStyle/>
-          <a:p>
-            <a:r>
-              <a:rPr lang="ru-RU" sz="3200" dirty="0" smtClean="0">
-                <a:solidFill>
-                  <a:schemeClr val="bg2">
-                    <a:lumMod val="20000"/>
-                    <a:lumOff val="80000"/>
-                  </a:schemeClr>
-                </a:solidFill>
-              </a:rPr>
-              <a:t>Определение параметров движения объектов на панорамных снимках</a:t>
-            </a:r>
-            <a:endParaRPr lang="ru-RU" sz="3200" dirty="0">
-              <a:solidFill>
-                <a:schemeClr val="bg2">
-                  <a:lumMod val="20000"/>
-                  <a:lumOff val="80000"/>
-                </a:schemeClr>
-              </a:solidFill>
             </a:endParaRPr>
           </a:p>
         </p:txBody>
